--- a/session1/A4-ER_modeling-CreateTablesInSQL.pptx
+++ b/session1/A4-ER_modeling-CreateTablesInSQL.pptx
@@ -250,7 +250,7 @@
                 <a:ea typeface="Arial Unicode MS" panose="020B0604020202020204" pitchFamily="34" charset="-128"/>
                 <a:cs typeface="Arial Unicode MS" panose="020B0604020202020204" pitchFamily="34" charset="-128"/>
               </a:rPr>
-              <a:t>5/26/2019</a:t>
+              <a:t>1/17/2023</a:t>
             </a:fld>
             <a:endParaRPr lang="en-US" dirty="0">
               <a:latin typeface="Arial Unicode MS" panose="020B0604020202020204" pitchFamily="34" charset="-128"/>
@@ -670,7 +670,7 @@
           <a:p>
             <a:fld id="{E9385586-C094-4874-A3EB-1898CF456001}" type="datetimeFigureOut">
               <a:rPr lang="en-US" smtClean="0"/>
-              <a:t>5/26/2019</a:t>
+              <a:t>1/17/2023</a:t>
             </a:fld>
             <a:endParaRPr lang="en-US"/>
           </a:p>
@@ -839,7 +839,7 @@
           <a:p>
             <a:fld id="{E9385586-C094-4874-A3EB-1898CF456001}" type="datetimeFigureOut">
               <a:rPr lang="en-US" smtClean="0"/>
-              <a:t>5/26/2019</a:t>
+              <a:t>1/17/2023</a:t>
             </a:fld>
             <a:endParaRPr lang="en-US"/>
           </a:p>
@@ -1018,7 +1018,7 @@
           <a:p>
             <a:fld id="{E9385586-C094-4874-A3EB-1898CF456001}" type="datetimeFigureOut">
               <a:rPr lang="en-US" smtClean="0"/>
-              <a:t>5/26/2019</a:t>
+              <a:t>1/17/2023</a:t>
             </a:fld>
             <a:endParaRPr lang="en-US"/>
           </a:p>
@@ -1218,7 +1218,7 @@
           <a:p>
             <a:fld id="{E9385586-C094-4874-A3EB-1898CF456001}" type="datetimeFigureOut">
               <a:rPr lang="en-US" smtClean="0"/>
-              <a:t>5/26/2019</a:t>
+              <a:t>1/17/2023</a:t>
             </a:fld>
             <a:endParaRPr lang="en-US"/>
           </a:p>
@@ -1463,7 +1463,7 @@
           <a:p>
             <a:fld id="{E9385586-C094-4874-A3EB-1898CF456001}" type="datetimeFigureOut">
               <a:rPr lang="en-US" smtClean="0"/>
-              <a:t>5/26/2019</a:t>
+              <a:t>1/17/2023</a:t>
             </a:fld>
             <a:endParaRPr lang="en-US"/>
           </a:p>
@@ -1693,7 +1693,7 @@
           <a:p>
             <a:fld id="{E9385586-C094-4874-A3EB-1898CF456001}" type="datetimeFigureOut">
               <a:rPr lang="en-US" smtClean="0"/>
-              <a:t>5/26/2019</a:t>
+              <a:t>1/17/2023</a:t>
             </a:fld>
             <a:endParaRPr lang="en-US"/>
           </a:p>
@@ -2058,7 +2058,7 @@
           <a:p>
             <a:fld id="{E9385586-C094-4874-A3EB-1898CF456001}" type="datetimeFigureOut">
               <a:rPr lang="en-US" smtClean="0"/>
-              <a:t>5/26/2019</a:t>
+              <a:t>1/17/2023</a:t>
             </a:fld>
             <a:endParaRPr lang="en-US"/>
           </a:p>
@@ -2176,7 +2176,7 @@
           <a:p>
             <a:fld id="{E9385586-C094-4874-A3EB-1898CF456001}" type="datetimeFigureOut">
               <a:rPr lang="en-US" smtClean="0"/>
-              <a:t>5/26/2019</a:t>
+              <a:t>1/17/2023</a:t>
             </a:fld>
             <a:endParaRPr lang="en-US"/>
           </a:p>
@@ -2271,7 +2271,7 @@
           <a:p>
             <a:fld id="{E9385586-C094-4874-A3EB-1898CF456001}" type="datetimeFigureOut">
               <a:rPr lang="en-US" smtClean="0"/>
-              <a:t>5/26/2019</a:t>
+              <a:t>1/17/2023</a:t>
             </a:fld>
             <a:endParaRPr lang="en-US"/>
           </a:p>
@@ -2547,7 +2547,7 @@
           <a:p>
             <a:fld id="{E9385586-C094-4874-A3EB-1898CF456001}" type="datetimeFigureOut">
               <a:rPr lang="en-US" smtClean="0"/>
-              <a:t>5/26/2019</a:t>
+              <a:t>1/17/2023</a:t>
             </a:fld>
             <a:endParaRPr lang="en-US"/>
           </a:p>
@@ -2800,7 +2800,7 @@
           <a:p>
             <a:fld id="{E9385586-C094-4874-A3EB-1898CF456001}" type="datetimeFigureOut">
               <a:rPr lang="en-US" smtClean="0"/>
-              <a:t>5/26/2019</a:t>
+              <a:t>1/17/2023</a:t>
             </a:fld>
             <a:endParaRPr lang="en-US"/>
           </a:p>
@@ -3016,7 +3016,7 @@
             <a:fld id="{E9385586-C094-4874-A3EB-1898CF456001}" type="datetimeFigureOut">
               <a:rPr lang="en-US" smtClean="0"/>
               <a:pPr/>
-              <a:t>5/26/2019</a:t>
+              <a:t>1/17/2023</a:t>
             </a:fld>
             <a:endParaRPr lang="en-US" dirty="0"/>
           </a:p>
@@ -3504,7 +3504,7 @@
           </a:ln>
           <a:extLst>
             <a:ext uri="{C572A759-6A51-4108-AA02-DFA0A04FC94B}">
-              <ma14:wrappingTextBoxFlag xmlns="" xmlns:ma14="http://schemas.microsoft.com/office/mac/drawingml/2011/main" val="1"/>
+              <ma14:wrappingTextBoxFlag xmlns:ma14="http://schemas.microsoft.com/office/mac/drawingml/2011/main" xmlns="" val="1"/>
             </a:ext>
           </a:extLst>
         </p:spPr>
@@ -3583,7 +3583,7 @@
           </a:ln>
           <a:extLst>
             <a:ext uri="{C572A759-6A51-4108-AA02-DFA0A04FC94B}">
-              <ma14:wrappingTextBoxFlag xmlns="" xmlns:ma14="http://schemas.microsoft.com/office/mac/drawingml/2011/main" val="1"/>
+              <ma14:wrappingTextBoxFlag xmlns:ma14="http://schemas.microsoft.com/office/mac/drawingml/2011/main" xmlns="" val="1"/>
             </a:ext>
           </a:extLst>
         </p:spPr>
@@ -4014,7 +4014,7 @@
           </a:ln>
           <a:extLst>
             <a:ext uri="{C572A759-6A51-4108-AA02-DFA0A04FC94B}">
-              <ma14:wrappingTextBoxFlag xmlns="" xmlns:ma14="http://schemas.microsoft.com/office/mac/drawingml/2011/main" val="1"/>
+              <ma14:wrappingTextBoxFlag xmlns:ma14="http://schemas.microsoft.com/office/mac/drawingml/2011/main" xmlns="" val="1"/>
             </a:ext>
           </a:extLst>
         </p:spPr>
@@ -4093,7 +4093,7 @@
           </a:ln>
           <a:extLst>
             <a:ext uri="{C572A759-6A51-4108-AA02-DFA0A04FC94B}">
-              <ma14:wrappingTextBoxFlag xmlns="" xmlns:ma14="http://schemas.microsoft.com/office/mac/drawingml/2011/main" val="1"/>
+              <ma14:wrappingTextBoxFlag xmlns:ma14="http://schemas.microsoft.com/office/mac/drawingml/2011/main" xmlns="" val="1"/>
             </a:ext>
           </a:extLst>
         </p:spPr>
@@ -4441,7 +4441,7 @@
           </a:ln>
           <a:extLst>
             <a:ext uri="{C572A759-6A51-4108-AA02-DFA0A04FC94B}">
-              <ma14:wrappingTextBoxFlag xmlns="" xmlns:ma14="http://schemas.microsoft.com/office/mac/drawingml/2011/main" val="1"/>
+              <ma14:wrappingTextBoxFlag xmlns:ma14="http://schemas.microsoft.com/office/mac/drawingml/2011/main" xmlns="" val="1"/>
             </a:ext>
           </a:extLst>
         </p:spPr>
@@ -4520,7 +4520,7 @@
           </a:ln>
           <a:extLst>
             <a:ext uri="{C572A759-6A51-4108-AA02-DFA0A04FC94B}">
-              <ma14:wrappingTextBoxFlag xmlns="" xmlns:ma14="http://schemas.microsoft.com/office/mac/drawingml/2011/main" val="1"/>
+              <ma14:wrappingTextBoxFlag xmlns:ma14="http://schemas.microsoft.com/office/mac/drawingml/2011/main" xmlns="" val="1"/>
             </a:ext>
           </a:extLst>
         </p:spPr>
@@ -4769,7 +4769,7 @@
           </a:ln>
           <a:extLst>
             <a:ext uri="{C572A759-6A51-4108-AA02-DFA0A04FC94B}">
-              <ma14:wrappingTextBoxFlag xmlns="" xmlns:ma14="http://schemas.microsoft.com/office/mac/drawingml/2011/main" val="1"/>
+              <ma14:wrappingTextBoxFlag xmlns:ma14="http://schemas.microsoft.com/office/mac/drawingml/2011/main" xmlns="" val="1"/>
             </a:ext>
           </a:extLst>
         </p:spPr>
@@ -4848,7 +4848,7 @@
           </a:ln>
           <a:extLst>
             <a:ext uri="{C572A759-6A51-4108-AA02-DFA0A04FC94B}">
-              <ma14:wrappingTextBoxFlag xmlns="" xmlns:ma14="http://schemas.microsoft.com/office/mac/drawingml/2011/main" val="1"/>
+              <ma14:wrappingTextBoxFlag xmlns:ma14="http://schemas.microsoft.com/office/mac/drawingml/2011/main" xmlns="" val="1"/>
             </a:ext>
           </a:extLst>
         </p:spPr>
@@ -5126,7 +5126,7 @@
           </a:ln>
           <a:extLst>
             <a:ext uri="{C572A759-6A51-4108-AA02-DFA0A04FC94B}">
-              <ma14:wrappingTextBoxFlag xmlns="" xmlns:ma14="http://schemas.microsoft.com/office/mac/drawingml/2011/main" val="1"/>
+              <ma14:wrappingTextBoxFlag xmlns:ma14="http://schemas.microsoft.com/office/mac/drawingml/2011/main" xmlns="" val="1"/>
             </a:ext>
           </a:extLst>
         </p:spPr>
@@ -5194,8 +5194,8 @@
         </p:nvSpPr>
         <p:spPr>
           <a:xfrm>
-            <a:off x="136071" y="2022157"/>
-            <a:ext cx="8746672" cy="4362733"/>
+            <a:off x="198664" y="1297829"/>
+            <a:ext cx="8746672" cy="3685624"/>
           </a:xfrm>
           <a:prstGeom prst="rect">
             <a:avLst/>
@@ -5205,7 +5205,7 @@
           </a:ln>
           <a:extLst>
             <a:ext uri="{C572A759-6A51-4108-AA02-DFA0A04FC94B}">
-              <ma14:wrappingTextBoxFlag xmlns="" xmlns:ma14="http://schemas.microsoft.com/office/mac/drawingml/2011/main" val="1"/>
+              <ma14:wrappingTextBoxFlag xmlns:ma14="http://schemas.microsoft.com/office/mac/drawingml/2011/main" xmlns="" val="1"/>
             </a:ext>
           </a:extLst>
         </p:spPr>
@@ -5228,7 +5228,7 @@
               </a:defRPr>
             </a:pPr>
             <a:r>
-              <a:rPr lang="en-US" sz="2600" dirty="0">
+              <a:rPr lang="en-US" sz="2400" dirty="0">
                 <a:solidFill>
                   <a:schemeClr val="tx1"/>
                 </a:solidFill>
@@ -5240,7 +5240,7 @@
               <a:t>CREATE TABLE Rate </a:t>
             </a:r>
             <a:br>
-              <a:rPr lang="en-US" sz="2600" dirty="0">
+              <a:rPr lang="en-US" sz="2400" dirty="0">
                 <a:solidFill>
                   <a:schemeClr val="tx1"/>
                 </a:solidFill>
@@ -5251,7 +5251,7 @@
               </a:rPr>
             </a:br>
             <a:r>
-              <a:rPr lang="en-US" sz="2600" dirty="0">
+              <a:rPr lang="en-US" sz="2400" dirty="0">
                 <a:solidFill>
                   <a:schemeClr val="tx1"/>
                 </a:solidFill>
@@ -5263,7 +5263,7 @@
               <a:t>(</a:t>
             </a:r>
             <a:br>
-              <a:rPr lang="en-US" sz="2600" dirty="0">
+              <a:rPr lang="en-US" sz="2400" dirty="0">
                 <a:solidFill>
                   <a:schemeClr val="tx1"/>
                 </a:solidFill>
@@ -5274,7 +5274,7 @@
               </a:rPr>
             </a:br>
             <a:r>
-              <a:rPr lang="en-US" sz="2600" dirty="0">
+              <a:rPr lang="en-US" sz="2400" dirty="0">
                 <a:solidFill>
                   <a:schemeClr val="tx1"/>
                 </a:solidFill>
@@ -5300,7 +5300,7 @@
               </a:defRPr>
             </a:pPr>
             <a:r>
-              <a:rPr lang="en-US" sz="2600" dirty="0" err="1">
+              <a:rPr lang="en-US" sz="2400" dirty="0" err="1">
                 <a:solidFill>
                   <a:schemeClr val="tx1"/>
                 </a:solidFill>
@@ -5312,7 +5312,7 @@
               <a:t>customerid</a:t>
             </a:r>
             <a:r>
-              <a:rPr lang="en-US" sz="2600" dirty="0">
+              <a:rPr lang="en-US" sz="2400" dirty="0">
                 <a:solidFill>
                   <a:schemeClr val="tx1"/>
                 </a:solidFill>
@@ -5324,7 +5324,7 @@
               <a:t> INT,</a:t>
             </a:r>
             <a:br>
-              <a:rPr lang="en-US" sz="2600" dirty="0">
+              <a:rPr lang="en-US" sz="2400" dirty="0">
                 <a:solidFill>
                   <a:schemeClr val="tx1"/>
                 </a:solidFill>
@@ -5335,7 +5335,7 @@
               </a:rPr>
             </a:br>
             <a:r>
-              <a:rPr lang="en-US" sz="2600" dirty="0">
+              <a:rPr lang="en-US" sz="2400" dirty="0">
                 <a:solidFill>
                   <a:schemeClr val="tx1"/>
                 </a:solidFill>
@@ -5347,7 +5347,7 @@
               <a:t>price FLOAT,</a:t>
             </a:r>
             <a:br>
-              <a:rPr lang="en-US" sz="2600" dirty="0">
+              <a:rPr lang="en-US" sz="2400" dirty="0">
                 <a:solidFill>
                   <a:schemeClr val="tx1"/>
                 </a:solidFill>
@@ -5358,7 +5358,7 @@
               </a:rPr>
             </a:br>
             <a:r>
-              <a:rPr lang="en-US" sz="2600" dirty="0" err="1">
+              <a:rPr lang="en-US" sz="2400" dirty="0" err="1">
                 <a:solidFill>
                   <a:schemeClr val="tx1"/>
                 </a:solidFill>
@@ -5370,7 +5370,7 @@
               <a:t>startdate</a:t>
             </a:r>
             <a:r>
-              <a:rPr lang="en-US" sz="2600" dirty="0">
+              <a:rPr lang="en-US" sz="2400" dirty="0">
                 <a:solidFill>
                   <a:schemeClr val="tx1"/>
                 </a:solidFill>
@@ -5396,7 +5396,7 @@
               </a:defRPr>
             </a:pPr>
             <a:r>
-              <a:rPr lang="en-US" sz="2600" dirty="0">
+              <a:rPr lang="en-US" sz="2400" dirty="0">
                 <a:solidFill>
                   <a:schemeClr val="tx1"/>
                 </a:solidFill>
@@ -5422,7 +5422,7 @@
               </a:defRPr>
             </a:pPr>
             <a:r>
-              <a:rPr lang="en-US" sz="2600" b="1" dirty="0">
+              <a:rPr lang="en-US" sz="2400" b="1" dirty="0">
                 <a:solidFill>
                   <a:srgbClr val="57068C"/>
                 </a:solidFill>
@@ -5434,7 +5434,7 @@
               <a:t>FOREIGN KEY (</a:t>
             </a:r>
             <a:r>
-              <a:rPr lang="en-US" sz="2600" b="1" dirty="0" err="1">
+              <a:rPr lang="en-US" sz="2400" b="1" dirty="0" err="1">
                 <a:solidFill>
                   <a:srgbClr val="57068C"/>
                 </a:solidFill>
@@ -5446,7 +5446,7 @@
               <a:t>customerid</a:t>
             </a:r>
             <a:r>
-              <a:rPr lang="en-US" sz="2600" b="1" dirty="0">
+              <a:rPr lang="en-US" sz="2400" b="1" dirty="0">
                 <a:solidFill>
                   <a:srgbClr val="57068C"/>
                 </a:solidFill>
@@ -5458,7 +5458,7 @@
               <a:t>) REFERENCES Customer(id)</a:t>
             </a:r>
             <a:br>
-              <a:rPr lang="en-US" sz="2600" b="1" dirty="0">
+              <a:rPr lang="en-US" sz="2400" b="1" dirty="0">
                 <a:solidFill>
                   <a:srgbClr val="C00000"/>
                 </a:solidFill>
@@ -5469,7 +5469,7 @@
               </a:rPr>
             </a:br>
             <a:r>
-              <a:rPr lang="en-US" sz="2600" dirty="0">
+              <a:rPr lang="en-US" sz="2400" dirty="0">
                 <a:solidFill>
                   <a:schemeClr val="tx1"/>
                 </a:solidFill>
@@ -5480,7 +5480,7 @@
               </a:rPr>
               <a:t>);</a:t>
             </a:r>
-            <a:endParaRPr lang="en-US" sz="2600" dirty="0">
+            <a:endParaRPr lang="en-US" sz="2400" dirty="0">
               <a:solidFill>
                 <a:schemeClr val="tx1"/>
               </a:solidFill>
@@ -5545,7 +5545,7 @@
           </a:ln>
           <a:extLst>
             <a:ext uri="{C572A759-6A51-4108-AA02-DFA0A04FC94B}">
-              <ma14:wrappingTextBoxFlag xmlns="" xmlns:ma14="http://schemas.microsoft.com/office/mac/drawingml/2011/main" val="1"/>
+              <ma14:wrappingTextBoxFlag xmlns:ma14="http://schemas.microsoft.com/office/mac/drawingml/2011/main" xmlns="" val="1"/>
             </a:ext>
           </a:extLst>
         </p:spPr>
@@ -5624,7 +5624,7 @@
           </a:ln>
           <a:extLst>
             <a:ext uri="{C572A759-6A51-4108-AA02-DFA0A04FC94B}">
-              <ma14:wrappingTextBoxFlag xmlns="" xmlns:ma14="http://schemas.microsoft.com/office/mac/drawingml/2011/main" val="1"/>
+              <ma14:wrappingTextBoxFlag xmlns:ma14="http://schemas.microsoft.com/office/mac/drawingml/2011/main" xmlns="" val="1"/>
             </a:ext>
           </a:extLst>
         </p:spPr>
@@ -6110,7 +6110,7 @@
           </a:ln>
           <a:extLst>
             <a:ext uri="{C572A759-6A51-4108-AA02-DFA0A04FC94B}">
-              <ma14:wrappingTextBoxFlag xmlns="" xmlns:ma14="http://schemas.microsoft.com/office/mac/drawingml/2011/main" val="1"/>
+              <ma14:wrappingTextBoxFlag xmlns:ma14="http://schemas.microsoft.com/office/mac/drawingml/2011/main" xmlns="" val="1"/>
             </a:ext>
           </a:extLst>
         </p:spPr>
@@ -6189,7 +6189,7 @@
           </a:ln>
           <a:extLst>
             <a:ext uri="{C572A759-6A51-4108-AA02-DFA0A04FC94B}">
-              <ma14:wrappingTextBoxFlag xmlns="" xmlns:ma14="http://schemas.microsoft.com/office/mac/drawingml/2011/main" val="1"/>
+              <ma14:wrappingTextBoxFlag xmlns:ma14="http://schemas.microsoft.com/office/mac/drawingml/2011/main" xmlns="" val="1"/>
             </a:ext>
           </a:extLst>
         </p:spPr>
@@ -6679,7 +6679,7 @@
           </a:ln>
           <a:extLst>
             <a:ext uri="{C572A759-6A51-4108-AA02-DFA0A04FC94B}">
-              <ma14:wrappingTextBoxFlag xmlns="" xmlns:ma14="http://schemas.microsoft.com/office/mac/drawingml/2011/main" val="1"/>
+              <ma14:wrappingTextBoxFlag xmlns:ma14="http://schemas.microsoft.com/office/mac/drawingml/2011/main" xmlns="" val="1"/>
             </a:ext>
           </a:extLst>
         </p:spPr>
@@ -6750,8 +6750,8 @@
         </p:nvSpPr>
         <p:spPr>
           <a:xfrm>
-            <a:off x="469899" y="2022157"/>
-            <a:ext cx="7590196" cy="3252172"/>
+            <a:off x="386308" y="1157865"/>
+            <a:ext cx="7590196" cy="3677930"/>
           </a:xfrm>
           <a:prstGeom prst="rect">
             <a:avLst/>
@@ -6761,7 +6761,7 @@
           </a:ln>
           <a:extLst>
             <a:ext uri="{C572A759-6A51-4108-AA02-DFA0A04FC94B}">
-              <ma14:wrappingTextBoxFlag xmlns="" xmlns:ma14="http://schemas.microsoft.com/office/mac/drawingml/2011/main" val="1"/>
+              <ma14:wrappingTextBoxFlag xmlns:ma14="http://schemas.microsoft.com/office/mac/drawingml/2011/main" xmlns="" val="1"/>
             </a:ext>
           </a:extLst>
         </p:spPr>
@@ -6787,7 +6787,7 @@
               </a:defRPr>
             </a:pPr>
             <a:r>
-              <a:rPr sz="2600" dirty="0">
+              <a:rPr lang="en-US" dirty="0">
                 <a:solidFill>
                   <a:schemeClr val="tx1"/>
                 </a:solidFill>
@@ -6799,25 +6799,10 @@
                 <a:cs typeface="Arial Unicode MS" panose="020B0604020202020204" pitchFamily="34" charset="-128"/>
                 <a:sym typeface="Iowan Old Style Roman"/>
               </a:rPr>
-              <a:t>MySQL Workbench </a:t>
-            </a:r>
-            <a:r>
-              <a:rPr lang="en-US" sz="2600" dirty="0">
-                <a:solidFill>
-                  <a:schemeClr val="tx1"/>
-                </a:solidFill>
-                <a:uFill>
-                  <a:solidFill/>
-                </a:uFill>
-                <a:latin typeface="Arial Unicode MS" panose="020B0604020202020204" pitchFamily="34" charset="-128"/>
-                <a:ea typeface="Arial Unicode MS" panose="020B0604020202020204" pitchFamily="34" charset="-128"/>
-                <a:cs typeface="Arial Unicode MS" panose="020B0604020202020204" pitchFamily="34" charset="-128"/>
-                <a:sym typeface="Iowan Old Style Roman"/>
-              </a:rPr>
-              <a:t>many of these steps </a:t>
-            </a:r>
-            <a:r>
-              <a:rPr sz="2600" dirty="0">
+              <a:t>ERD Plus (and other modeling tools) automate many of these steps </a:t>
+            </a:r>
+            <a:r>
+              <a:rPr dirty="0">
                 <a:solidFill>
                   <a:schemeClr val="tx1"/>
                 </a:solidFill>
@@ -6847,7 +6832,7 @@
               </a:defRPr>
             </a:pPr>
             <a:r>
-              <a:rPr sz="2600" dirty="0">
+              <a:rPr dirty="0">
                 <a:solidFill>
                   <a:schemeClr val="tx1"/>
                 </a:solidFill>
@@ -6877,7 +6862,7 @@
               </a:defRPr>
             </a:pPr>
             <a:r>
-              <a:rPr sz="2600" dirty="0">
+              <a:rPr lang="en-US" dirty="0">
                 <a:solidFill>
                   <a:schemeClr val="tx1"/>
                 </a:solidFill>
@@ -6889,10 +6874,64 @@
                 <a:cs typeface="Arial Unicode MS" panose="020B0604020202020204" pitchFamily="34" charset="-128"/>
                 <a:sym typeface="Iowan Old Style Roman"/>
               </a:rPr>
-              <a:t>Go to Database -&gt; Forward E</a:t>
-            </a:r>
-            <a:r>
-              <a:rPr lang="en-US" sz="2600" dirty="0">
+              <a:t>From the main menu, select the diagram,  and “Convert to Relational Schema”</a:t>
+            </a:r>
+          </a:p>
+          <a:p>
+            <a:pPr marL="685800" lvl="2" indent="-304800">
+              <a:spcBef>
+                <a:spcPts val="700"/>
+              </a:spcBef>
+              <a:buSzPct val="100000"/>
+              <a:buChar char="•"/>
+              <a:defRPr sz="1800">
+                <a:solidFill>
+                  <a:srgbClr val="000000"/>
+                </a:solidFill>
+                <a:uFillTx/>
+              </a:defRPr>
+            </a:pPr>
+            <a:r>
+              <a:rPr lang="en-US" dirty="0">
+                <a:solidFill>
+                  <a:schemeClr val="tx1"/>
+                </a:solidFill>
+                <a:latin typeface="Arial Unicode MS" panose="020B0604020202020204" pitchFamily="34" charset="-128"/>
+                <a:ea typeface="Arial Unicode MS" panose="020B0604020202020204" pitchFamily="34" charset="-128"/>
+                <a:cs typeface="Arial Unicode MS" panose="020B0604020202020204" pitchFamily="34" charset="-128"/>
+                <a:sym typeface="Iowan Old Style Roman"/>
+              </a:rPr>
+              <a:t>If you have problems, check that all relationships are fully specified in cardinalities, that all entities have attributes and primary keys</a:t>
+            </a:r>
+            <a:endParaRPr lang="en-US" dirty="0">
+              <a:solidFill>
+                <a:schemeClr val="tx1"/>
+              </a:solidFill>
+              <a:uFill>
+                <a:solidFill/>
+              </a:uFill>
+              <a:latin typeface="Arial Unicode MS" panose="020B0604020202020204" pitchFamily="34" charset="-128"/>
+              <a:ea typeface="Arial Unicode MS" panose="020B0604020202020204" pitchFamily="34" charset="-128"/>
+              <a:cs typeface="Arial Unicode MS" panose="020B0604020202020204" pitchFamily="34" charset="-128"/>
+              <a:sym typeface="Iowan Old Style Roman"/>
+            </a:endParaRPr>
+          </a:p>
+          <a:p>
+            <a:pPr marL="685800" lvl="2" indent="-304800">
+              <a:spcBef>
+                <a:spcPts val="700"/>
+              </a:spcBef>
+              <a:buSzPct val="100000"/>
+              <a:buChar char="•"/>
+              <a:defRPr sz="1800">
+                <a:solidFill>
+                  <a:srgbClr val="000000"/>
+                </a:solidFill>
+                <a:uFillTx/>
+              </a:defRPr>
+            </a:pPr>
+            <a:r>
+              <a:rPr lang="en-US" dirty="0">
                 <a:solidFill>
                   <a:schemeClr val="tx1"/>
                 </a:solidFill>
@@ -6904,23 +6943,20 @@
                 <a:cs typeface="Arial Unicode MS" panose="020B0604020202020204" pitchFamily="34" charset="-128"/>
                 <a:sym typeface="Iowan Old Style Roman"/>
               </a:rPr>
-              <a:t>n</a:t>
-            </a:r>
-            <a:r>
-              <a:rPr sz="2600" dirty="0">
-                <a:solidFill>
-                  <a:schemeClr val="tx1"/>
-                </a:solidFill>
-                <a:uFill>
-                  <a:solidFill/>
-                </a:uFill>
-                <a:latin typeface="Arial Unicode MS" panose="020B0604020202020204" pitchFamily="34" charset="-128"/>
-                <a:ea typeface="Arial Unicode MS" panose="020B0604020202020204" pitchFamily="34" charset="-128"/>
-                <a:cs typeface="Arial Unicode MS" panose="020B0604020202020204" pitchFamily="34" charset="-128"/>
-                <a:sym typeface="Iowan Old Style Roman"/>
-              </a:rPr>
-              <a:t>gineer -&gt; Follow the instructions</a:t>
-            </a:r>
+              <a:t>Check the relational schema and ensure that everything looks good. Pay special attention to the foreign keys and their names.</a:t>
+            </a:r>
+            <a:endParaRPr dirty="0">
+              <a:solidFill>
+                <a:schemeClr val="tx1"/>
+              </a:solidFill>
+              <a:uFill>
+                <a:solidFill/>
+              </a:uFill>
+              <a:latin typeface="Arial Unicode MS" panose="020B0604020202020204" pitchFamily="34" charset="-128"/>
+              <a:ea typeface="Arial Unicode MS" panose="020B0604020202020204" pitchFamily="34" charset="-128"/>
+              <a:cs typeface="Arial Unicode MS" panose="020B0604020202020204" pitchFamily="34" charset="-128"/>
+              <a:sym typeface="Iowan Old Style Roman"/>
+            </a:endParaRPr>
           </a:p>
           <a:p>
             <a:pPr marL="685800" lvl="1" indent="-304800">
@@ -6937,7 +6973,7 @@
               </a:defRPr>
             </a:pPr>
             <a:r>
-              <a:rPr sz="2600" dirty="0">
+              <a:rPr lang="en-US" dirty="0">
                 <a:solidFill>
                   <a:schemeClr val="tx1"/>
                 </a:solidFill>
@@ -6949,69 +6985,9 @@
                 <a:cs typeface="Arial Unicode MS" panose="020B0604020202020204" pitchFamily="34" charset="-128"/>
                 <a:sym typeface="Iowan Old Style Roman"/>
               </a:rPr>
-              <a:t>Your database </a:t>
-            </a:r>
-            <a:r>
-              <a:rPr lang="en-US" sz="2600" dirty="0">
-                <a:solidFill>
-                  <a:schemeClr val="tx1"/>
-                </a:solidFill>
-                <a:uFill>
-                  <a:solidFill/>
-                </a:uFill>
-                <a:latin typeface="Arial Unicode MS" panose="020B0604020202020204" pitchFamily="34" charset="-128"/>
-                <a:ea typeface="Arial Unicode MS" panose="020B0604020202020204" pitchFamily="34" charset="-128"/>
-                <a:cs typeface="Arial Unicode MS" panose="020B0604020202020204" pitchFamily="34" charset="-128"/>
-                <a:sym typeface="Iowan Old Style Roman"/>
-              </a:rPr>
-              <a:t>schema </a:t>
-            </a:r>
-            <a:r>
-              <a:rPr sz="2600" dirty="0">
-                <a:solidFill>
-                  <a:schemeClr val="tx1"/>
-                </a:solidFill>
-                <a:uFill>
-                  <a:solidFill/>
-                </a:uFill>
-                <a:latin typeface="Arial Unicode MS" panose="020B0604020202020204" pitchFamily="34" charset="-128"/>
-                <a:ea typeface="Arial Unicode MS" panose="020B0604020202020204" pitchFamily="34" charset="-128"/>
-                <a:cs typeface="Arial Unicode MS" panose="020B0604020202020204" pitchFamily="34" charset="-128"/>
-                <a:sym typeface="Iowan Old Style Roman"/>
-              </a:rPr>
-              <a:t>is </a:t>
-            </a:r>
-            <a:r>
-              <a:rPr lang="en-US" sz="2600" dirty="0">
-                <a:solidFill>
-                  <a:schemeClr val="tx1"/>
-                </a:solidFill>
-                <a:uFill>
-                  <a:solidFill/>
-                </a:uFill>
-                <a:latin typeface="Arial Unicode MS" panose="020B0604020202020204" pitchFamily="34" charset="-128"/>
-                <a:ea typeface="Arial Unicode MS" panose="020B0604020202020204" pitchFamily="34" charset="-128"/>
-                <a:cs typeface="Arial Unicode MS" panose="020B0604020202020204" pitchFamily="34" charset="-128"/>
-                <a:sym typeface="Iowan Old Style Roman"/>
-              </a:rPr>
-              <a:t>(almost) </a:t>
-            </a:r>
-            <a:r>
-              <a:rPr sz="2600" dirty="0">
-                <a:solidFill>
-                  <a:schemeClr val="tx1"/>
-                </a:solidFill>
-                <a:uFill>
-                  <a:solidFill/>
-                </a:uFill>
-                <a:latin typeface="Arial Unicode MS" panose="020B0604020202020204" pitchFamily="34" charset="-128"/>
-                <a:ea typeface="Arial Unicode MS" panose="020B0604020202020204" pitchFamily="34" charset="-128"/>
-                <a:cs typeface="Arial Unicode MS" panose="020B0604020202020204" pitchFamily="34" charset="-128"/>
-                <a:sym typeface="Iowan Old Style Roman"/>
-              </a:rPr>
-              <a:t>ready!</a:t>
-            </a:r>
-            <a:endParaRPr lang="en-US" sz="2600" dirty="0">
+              <a:t>From the main menu select the schema and “Convert to SQL”</a:t>
+            </a:r>
+            <a:endParaRPr lang="en-US" dirty="0">
               <a:solidFill>
                 <a:schemeClr val="tx1"/>
               </a:solidFill>
@@ -7036,7 +7012,7 @@
               </a:defRPr>
             </a:pPr>
             <a:r>
-              <a:rPr lang="en-US" sz="2600" b="1" i="1" dirty="0">
+              <a:rPr lang="en-US" b="1" i="1" dirty="0">
                 <a:solidFill>
                   <a:schemeClr val="tx1"/>
                 </a:solidFill>
@@ -7051,7 +7027,7 @@
               <a:t>Often</a:t>
             </a:r>
             <a:r>
-              <a:rPr lang="en-US" sz="2600" dirty="0">
+              <a:rPr lang="en-US" dirty="0">
                 <a:solidFill>
                   <a:schemeClr val="tx1"/>
                 </a:solidFill>
@@ -7118,7 +7094,7 @@
           </a:ln>
           <a:extLst>
             <a:ext uri="{C572A759-6A51-4108-AA02-DFA0A04FC94B}">
-              <ma14:wrappingTextBoxFlag xmlns="" xmlns:ma14="http://schemas.microsoft.com/office/mac/drawingml/2011/main" val="1"/>
+              <ma14:wrappingTextBoxFlag xmlns:ma14="http://schemas.microsoft.com/office/mac/drawingml/2011/main" xmlns="" val="1"/>
             </a:ext>
           </a:extLst>
         </p:spPr>
@@ -7197,7 +7173,7 @@
           </a:ln>
           <a:extLst>
             <a:ext uri="{C572A759-6A51-4108-AA02-DFA0A04FC94B}">
-              <ma14:wrappingTextBoxFlag xmlns="" xmlns:ma14="http://schemas.microsoft.com/office/mac/drawingml/2011/main" val="1"/>
+              <ma14:wrappingTextBoxFlag xmlns:ma14="http://schemas.microsoft.com/office/mac/drawingml/2011/main" xmlns="" val="1"/>
             </a:ext>
           </a:extLst>
         </p:spPr>
